--- a/CLMN/Replay_Exp/blueprint/blueprint_0324v2.pptx
+++ b/CLMN/Replay_Exp/blueprint/blueprint_0324v2.pptx
@@ -6,13 +6,11 @@
   </p:sldMasterIdLst>
   <p:sldIdLst>
     <p:sldId id="264" r:id="rId2"/>
-    <p:sldId id="257" r:id="rId3"/>
-    <p:sldId id="258" r:id="rId4"/>
+    <p:sldId id="265" r:id="rId3"/>
+    <p:sldId id="266" r:id="rId4"/>
     <p:sldId id="267" r:id="rId5"/>
-    <p:sldId id="260" r:id="rId6"/>
-    <p:sldId id="263" r:id="rId7"/>
-    <p:sldId id="262" r:id="rId8"/>
-    <p:sldId id="261" r:id="rId9"/>
+    <p:sldId id="257" r:id="rId6"/>
+    <p:sldId id="258" r:id="rId7"/>
   </p:sldIdLst>
   <p:sldSz cx="12192000" cy="6858000"/>
   <p:notesSz cx="6858000" cy="9144000"/>
@@ -279,7 +277,7 @@
           <a:p>
             <a:fld id="{1C1A52AB-7B13-A445-A3D7-E082C408E8F4}" type="datetimeFigureOut">
               <a:rPr kumimoji="1" lang="ko-Kore-KR" altLang="en-US" smtClean="0"/>
-              <a:t>2021. 3. 29.</a:t>
+              <a:t>2021. 4. 6.</a:t>
             </a:fld>
             <a:endParaRPr kumimoji="1" lang="ko-Kore-KR" altLang="en-US"/>
           </a:p>
@@ -479,7 +477,7 @@
           <a:p>
             <a:fld id="{1C1A52AB-7B13-A445-A3D7-E082C408E8F4}" type="datetimeFigureOut">
               <a:rPr kumimoji="1" lang="ko-Kore-KR" altLang="en-US" smtClean="0"/>
-              <a:t>2021. 3. 29.</a:t>
+              <a:t>2021. 4. 6.</a:t>
             </a:fld>
             <a:endParaRPr kumimoji="1" lang="ko-Kore-KR" altLang="en-US"/>
           </a:p>
@@ -689,7 +687,7 @@
           <a:p>
             <a:fld id="{1C1A52AB-7B13-A445-A3D7-E082C408E8F4}" type="datetimeFigureOut">
               <a:rPr kumimoji="1" lang="ko-Kore-KR" altLang="en-US" smtClean="0"/>
-              <a:t>2021. 3. 29.</a:t>
+              <a:t>2021. 4. 6.</a:t>
             </a:fld>
             <a:endParaRPr kumimoji="1" lang="ko-Kore-KR" altLang="en-US"/>
           </a:p>
@@ -889,7 +887,7 @@
           <a:p>
             <a:fld id="{1C1A52AB-7B13-A445-A3D7-E082C408E8F4}" type="datetimeFigureOut">
               <a:rPr kumimoji="1" lang="ko-Kore-KR" altLang="en-US" smtClean="0"/>
-              <a:t>2021. 3. 29.</a:t>
+              <a:t>2021. 4. 6.</a:t>
             </a:fld>
             <a:endParaRPr kumimoji="1" lang="ko-Kore-KR" altLang="en-US"/>
           </a:p>
@@ -1165,7 +1163,7 @@
           <a:p>
             <a:fld id="{1C1A52AB-7B13-A445-A3D7-E082C408E8F4}" type="datetimeFigureOut">
               <a:rPr kumimoji="1" lang="ko-Kore-KR" altLang="en-US" smtClean="0"/>
-              <a:t>2021. 3. 29.</a:t>
+              <a:t>2021. 4. 6.</a:t>
             </a:fld>
             <a:endParaRPr kumimoji="1" lang="ko-Kore-KR" altLang="en-US"/>
           </a:p>
@@ -1433,7 +1431,7 @@
           <a:p>
             <a:fld id="{1C1A52AB-7B13-A445-A3D7-E082C408E8F4}" type="datetimeFigureOut">
               <a:rPr kumimoji="1" lang="ko-Kore-KR" altLang="en-US" smtClean="0"/>
-              <a:t>2021. 3. 29.</a:t>
+              <a:t>2021. 4. 6.</a:t>
             </a:fld>
             <a:endParaRPr kumimoji="1" lang="ko-Kore-KR" altLang="en-US"/>
           </a:p>
@@ -1848,7 +1846,7 @@
           <a:p>
             <a:fld id="{1C1A52AB-7B13-A445-A3D7-E082C408E8F4}" type="datetimeFigureOut">
               <a:rPr kumimoji="1" lang="ko-Kore-KR" altLang="en-US" smtClean="0"/>
-              <a:t>2021. 3. 29.</a:t>
+              <a:t>2021. 4. 6.</a:t>
             </a:fld>
             <a:endParaRPr kumimoji="1" lang="ko-Kore-KR" altLang="en-US"/>
           </a:p>
@@ -1990,7 +1988,7 @@
           <a:p>
             <a:fld id="{1C1A52AB-7B13-A445-A3D7-E082C408E8F4}" type="datetimeFigureOut">
               <a:rPr kumimoji="1" lang="ko-Kore-KR" altLang="en-US" smtClean="0"/>
-              <a:t>2021. 3. 29.</a:t>
+              <a:t>2021. 4. 6.</a:t>
             </a:fld>
             <a:endParaRPr kumimoji="1" lang="ko-Kore-KR" altLang="en-US"/>
           </a:p>
@@ -2103,7 +2101,7 @@
           <a:p>
             <a:fld id="{1C1A52AB-7B13-A445-A3D7-E082C408E8F4}" type="datetimeFigureOut">
               <a:rPr kumimoji="1" lang="ko-Kore-KR" altLang="en-US" smtClean="0"/>
-              <a:t>2021. 3. 29.</a:t>
+              <a:t>2021. 4. 6.</a:t>
             </a:fld>
             <a:endParaRPr kumimoji="1" lang="ko-Kore-KR" altLang="en-US"/>
           </a:p>
@@ -2416,7 +2414,7 @@
           <a:p>
             <a:fld id="{1C1A52AB-7B13-A445-A3D7-E082C408E8F4}" type="datetimeFigureOut">
               <a:rPr kumimoji="1" lang="ko-Kore-KR" altLang="en-US" smtClean="0"/>
-              <a:t>2021. 3. 29.</a:t>
+              <a:t>2021. 4. 6.</a:t>
             </a:fld>
             <a:endParaRPr kumimoji="1" lang="ko-Kore-KR" altLang="en-US"/>
           </a:p>
@@ -2705,7 +2703,7 @@
           <a:p>
             <a:fld id="{1C1A52AB-7B13-A445-A3D7-E082C408E8F4}" type="datetimeFigureOut">
               <a:rPr kumimoji="1" lang="ko-Kore-KR" altLang="en-US" smtClean="0"/>
-              <a:t>2021. 3. 29.</a:t>
+              <a:t>2021. 4. 6.</a:t>
             </a:fld>
             <a:endParaRPr kumimoji="1" lang="ko-Kore-KR" altLang="en-US"/>
           </a:p>
@@ -2948,7 +2946,7 @@
           <a:p>
             <a:fld id="{1C1A52AB-7B13-A445-A3D7-E082C408E8F4}" type="datetimeFigureOut">
               <a:rPr kumimoji="1" lang="ko-Kore-KR" altLang="en-US" smtClean="0"/>
-              <a:t>2021. 3. 29.</a:t>
+              <a:t>2021. 4. 6.</a:t>
             </a:fld>
             <a:endParaRPr kumimoji="1" lang="ko-Kore-KR" altLang="en-US"/>
           </a:p>
@@ -3560,6 +3558,471 @@
 </file>
 
 <file path=ppt/slides/slide2.xml><?xml version="1.0" encoding="utf-8"?>
+<p:sld xmlns:a="http://schemas.openxmlformats.org/drawingml/2006/main" xmlns:r="http://schemas.openxmlformats.org/officeDocument/2006/relationships" xmlns:p="http://schemas.openxmlformats.org/presentationml/2006/main">
+  <p:cSld>
+    <p:spTree>
+      <p:nvGrpSpPr>
+        <p:cNvPr id="1" name=""/>
+        <p:cNvGrpSpPr/>
+        <p:nvPr/>
+      </p:nvGrpSpPr>
+      <p:grpSpPr>
+        <a:xfrm>
+          <a:off x="0" y="0"/>
+          <a:ext cx="0" cy="0"/>
+          <a:chOff x="0" y="0"/>
+          <a:chExt cx="0" cy="0"/>
+        </a:xfrm>
+      </p:grpSpPr>
+      <p:sp>
+        <p:nvSpPr>
+          <p:cNvPr id="2" name="TextBox 1">
+            <a:extLst>
+              <a:ext uri="{FF2B5EF4-FFF2-40B4-BE49-F238E27FC236}">
+                <a16:creationId xmlns:a16="http://schemas.microsoft.com/office/drawing/2014/main" id="{5164DEB6-64F9-8645-98C9-2562CCA69F52}"/>
+              </a:ext>
+            </a:extLst>
+          </p:cNvPr>
+          <p:cNvSpPr txBox="1"/>
+          <p:nvPr/>
+        </p:nvSpPr>
+        <p:spPr>
+          <a:xfrm>
+            <a:off x="858982" y="914400"/>
+            <a:ext cx="9467656" cy="3908762"/>
+          </a:xfrm>
+          <a:prstGeom prst="rect">
+            <a:avLst/>
+          </a:prstGeom>
+          <a:noFill/>
+        </p:spPr>
+        <p:txBody>
+          <a:bodyPr wrap="none" rtlCol="0">
+            <a:spAutoFit/>
+          </a:bodyPr>
+          <a:lstStyle/>
+          <a:p>
+            <a:r>
+              <a:rPr kumimoji="1" lang="ko-KR" altLang="en-US" sz="3200" b="1" dirty="0"/>
+              <a:t>지침</a:t>
+            </a:r>
+            <a:endParaRPr kumimoji="1" lang="en-US" altLang="ko-KR" sz="3200" b="1" dirty="0"/>
+          </a:p>
+          <a:p>
+            <a:pPr marL="285750" indent="-285750">
+              <a:buFontTx/>
+              <a:buChar char="-"/>
+            </a:pPr>
+            <a:r>
+              <a:rPr kumimoji="1" lang="ko-KR" altLang="en-US" dirty="0"/>
+              <a:t>인간의 학습 능력을 보고자 하는 실험입니다</a:t>
+            </a:r>
+            <a:r>
+              <a:rPr kumimoji="1" lang="en-US" altLang="ko-KR" dirty="0"/>
+              <a:t>.</a:t>
+            </a:r>
+          </a:p>
+          <a:p>
+            <a:pPr marL="285750" indent="-285750">
+              <a:buFontTx/>
+              <a:buChar char="-"/>
+            </a:pPr>
+            <a:r>
+              <a:rPr kumimoji="1" lang="ko-KR" altLang="en-US" dirty="0"/>
+              <a:t>오른손으로 실험에 임해주세요</a:t>
+            </a:r>
+            <a:endParaRPr kumimoji="1" lang="en-US" altLang="ko-KR" dirty="0"/>
+          </a:p>
+          <a:p>
+            <a:pPr marL="285750" indent="-285750">
+              <a:buFontTx/>
+              <a:buChar char="-"/>
+            </a:pPr>
+            <a:r>
+              <a:rPr kumimoji="1" lang="ko-KR" altLang="en-US" dirty="0">
+                <a:solidFill>
+                  <a:srgbClr val="FF0000"/>
+                </a:solidFill>
+              </a:rPr>
+              <a:t>틀려도 괜찮습니다</a:t>
+            </a:r>
+            <a:r>
+              <a:rPr kumimoji="1" lang="en-US" altLang="ko-KR" dirty="0">
+                <a:solidFill>
+                  <a:srgbClr val="FF0000"/>
+                </a:solidFill>
+              </a:rPr>
+              <a:t>.</a:t>
+            </a:r>
+            <a:r>
+              <a:rPr kumimoji="1" lang="ko-KR" altLang="en-US" dirty="0">
+                <a:solidFill>
+                  <a:srgbClr val="FF0000"/>
+                </a:solidFill>
+              </a:rPr>
+              <a:t> 틀린지점부터 진행하시면 됩니다</a:t>
+            </a:r>
+            <a:endParaRPr kumimoji="1" lang="en-US" altLang="ko-KR" dirty="0">
+              <a:solidFill>
+                <a:srgbClr val="FF0000"/>
+              </a:solidFill>
+            </a:endParaRPr>
+          </a:p>
+          <a:p>
+            <a:pPr marL="285750" indent="-285750">
+              <a:buFontTx/>
+              <a:buChar char="-"/>
+            </a:pPr>
+            <a:r>
+              <a:rPr kumimoji="1" lang="ko-KR" altLang="en-US" dirty="0"/>
+              <a:t>빠르고 정확하게 시퀀스를 입력하도록 노력해주세요</a:t>
+            </a:r>
+            <a:r>
+              <a:rPr kumimoji="1" lang="en-US" altLang="ko-KR" dirty="0"/>
+              <a:t>(</a:t>
+            </a:r>
+            <a:r>
+              <a:rPr kumimoji="1" lang="ko-KR" altLang="en-US" dirty="0"/>
+              <a:t>*표시가 시퀀스를 맞춘 개수입니다</a:t>
+            </a:r>
+            <a:r>
+              <a:rPr kumimoji="1" lang="en-US" altLang="ko-KR" dirty="0"/>
+              <a:t>.)</a:t>
+            </a:r>
+          </a:p>
+          <a:p>
+            <a:pPr marL="285750" indent="-285750">
+              <a:buFontTx/>
+              <a:buChar char="-"/>
+            </a:pPr>
+            <a:r>
+              <a:rPr kumimoji="1" lang="ko-KR" altLang="en-US" dirty="0"/>
+              <a:t>검지</a:t>
+            </a:r>
+            <a:r>
+              <a:rPr kumimoji="1" lang="en-US" altLang="ko-KR" dirty="0"/>
+              <a:t>(1),</a:t>
+            </a:r>
+            <a:r>
+              <a:rPr kumimoji="1" lang="ko-KR" altLang="en-US" dirty="0"/>
+              <a:t> 중지</a:t>
+            </a:r>
+            <a:r>
+              <a:rPr kumimoji="1" lang="en-US" altLang="ko-KR" dirty="0"/>
+              <a:t>(2)</a:t>
+            </a:r>
+            <a:r>
+              <a:rPr kumimoji="1" lang="ko-KR" altLang="en-US" dirty="0"/>
+              <a:t> 약지</a:t>
+            </a:r>
+            <a:r>
+              <a:rPr kumimoji="1" lang="en-US" altLang="ko-KR" dirty="0"/>
+              <a:t>(3),</a:t>
+            </a:r>
+            <a:r>
+              <a:rPr kumimoji="1" lang="ko-KR" altLang="en-US" dirty="0"/>
+              <a:t> 소지</a:t>
+            </a:r>
+            <a:r>
+              <a:rPr kumimoji="1" lang="en-US" altLang="ko-KR" dirty="0"/>
+              <a:t>(4)</a:t>
+            </a:r>
+            <a:r>
+              <a:rPr kumimoji="1" lang="ko-KR" altLang="en-US" dirty="0"/>
+              <a:t> 입니다</a:t>
+            </a:r>
+            <a:r>
+              <a:rPr kumimoji="1" lang="en-US" altLang="ko-KR" dirty="0"/>
+              <a:t>.</a:t>
+            </a:r>
+          </a:p>
+          <a:p>
+            <a:pPr marL="285750" indent="-285750">
+              <a:buFontTx/>
+              <a:buChar char="-"/>
+            </a:pPr>
+            <a:r>
+              <a:rPr kumimoji="1" lang="ko-KR" altLang="en-US" dirty="0"/>
+              <a:t>한번에 </a:t>
+            </a:r>
+            <a:r>
+              <a:rPr kumimoji="1" lang="en-US" altLang="ko-KR" dirty="0"/>
+              <a:t>12</a:t>
+            </a:r>
+            <a:r>
+              <a:rPr kumimoji="1" lang="ko-KR" altLang="en-US" dirty="0"/>
+              <a:t>분 동안 실험이 진행되며</a:t>
+            </a:r>
+            <a:r>
+              <a:rPr kumimoji="1" lang="en-US" altLang="ko-KR" dirty="0"/>
+              <a:t>,</a:t>
+            </a:r>
+            <a:r>
+              <a:rPr kumimoji="1" lang="ko-KR" altLang="en-US" dirty="0"/>
+              <a:t> 총 </a:t>
+            </a:r>
+            <a:r>
+              <a:rPr kumimoji="1" lang="en-US" altLang="ko-KR" dirty="0"/>
+              <a:t>4</a:t>
+            </a:r>
+            <a:r>
+              <a:rPr kumimoji="1" lang="ko-KR" altLang="en-US" dirty="0"/>
+              <a:t>번 진행됩니다</a:t>
+            </a:r>
+            <a:r>
+              <a:rPr kumimoji="1" lang="en-US" altLang="ko-KR" dirty="0"/>
+              <a:t>.(48</a:t>
+            </a:r>
+            <a:r>
+              <a:rPr kumimoji="1" lang="ko-KR" altLang="en-US" dirty="0"/>
+              <a:t>분</a:t>
+            </a:r>
+            <a:r>
+              <a:rPr kumimoji="1" lang="en-US" altLang="ko-KR" dirty="0"/>
+              <a:t>)</a:t>
+            </a:r>
+          </a:p>
+          <a:p>
+            <a:endParaRPr kumimoji="1" lang="en-US" altLang="ko-KR" dirty="0"/>
+          </a:p>
+          <a:p>
+            <a:r>
+              <a:rPr kumimoji="1" lang="ko-KR" altLang="en-US" dirty="0"/>
+              <a:t>감사합니다</a:t>
+            </a:r>
+            <a:r>
+              <a:rPr kumimoji="1" lang="en-US" altLang="ko-KR" dirty="0"/>
+              <a:t>.</a:t>
+            </a:r>
+          </a:p>
+          <a:p>
+            <a:endParaRPr kumimoji="1" lang="en-US" altLang="ko-KR" dirty="0"/>
+          </a:p>
+          <a:p>
+            <a:pPr marL="285750" indent="-285750">
+              <a:buFontTx/>
+              <a:buChar char="-"/>
+            </a:pPr>
+            <a:endParaRPr kumimoji="1" lang="en-US" altLang="ko-KR" dirty="0"/>
+          </a:p>
+          <a:p>
+            <a:pPr marL="285750" indent="-285750">
+              <a:buFontTx/>
+              <a:buChar char="-"/>
+            </a:pPr>
+            <a:endParaRPr kumimoji="1" lang="en-US" altLang="ko-KR" dirty="0"/>
+          </a:p>
+          <a:p>
+            <a:pPr marL="285750" indent="-285750">
+              <a:buFontTx/>
+              <a:buChar char="-"/>
+            </a:pPr>
+            <a:endParaRPr kumimoji="1" lang="en-US" altLang="ko-KR" dirty="0"/>
+          </a:p>
+        </p:txBody>
+      </p:sp>
+    </p:spTree>
+    <p:extLst>
+      <p:ext uri="{BB962C8B-B14F-4D97-AF65-F5344CB8AC3E}">
+        <p14:creationId xmlns:p14="http://schemas.microsoft.com/office/powerpoint/2010/main" val="856259038"/>
+      </p:ext>
+    </p:extLst>
+  </p:cSld>
+  <p:clrMapOvr>
+    <a:masterClrMapping/>
+  </p:clrMapOvr>
+</p:sld>
+</file>
+
+<file path=ppt/slides/slide3.xml><?xml version="1.0" encoding="utf-8"?>
+<p:sld xmlns:a="http://schemas.openxmlformats.org/drawingml/2006/main" xmlns:r="http://schemas.openxmlformats.org/officeDocument/2006/relationships" xmlns:p="http://schemas.openxmlformats.org/presentationml/2006/main">
+  <p:cSld>
+    <p:spTree>
+      <p:nvGrpSpPr>
+        <p:cNvPr id="1" name=""/>
+        <p:cNvGrpSpPr/>
+        <p:nvPr/>
+      </p:nvGrpSpPr>
+      <p:grpSpPr>
+        <a:xfrm>
+          <a:off x="0" y="0"/>
+          <a:ext cx="0" cy="0"/>
+          <a:chOff x="0" y="0"/>
+          <a:chExt cx="0" cy="0"/>
+        </a:xfrm>
+      </p:grpSpPr>
+      <p:sp>
+        <p:nvSpPr>
+          <p:cNvPr id="2" name="TextBox 1">
+            <a:extLst>
+              <a:ext uri="{FF2B5EF4-FFF2-40B4-BE49-F238E27FC236}">
+                <a16:creationId xmlns:a16="http://schemas.microsoft.com/office/drawing/2014/main" id="{6474D8F9-E9F6-8444-8848-DF7C9E873A7C}"/>
+              </a:ext>
+            </a:extLst>
+          </p:cNvPr>
+          <p:cNvSpPr txBox="1"/>
+          <p:nvPr/>
+        </p:nvSpPr>
+        <p:spPr>
+          <a:xfrm>
+            <a:off x="942109" y="1163782"/>
+            <a:ext cx="6154249" cy="1415772"/>
+          </a:xfrm>
+          <a:prstGeom prst="rect">
+            <a:avLst/>
+          </a:prstGeom>
+          <a:noFill/>
+        </p:spPr>
+        <p:txBody>
+          <a:bodyPr wrap="none" rtlCol="0">
+            <a:spAutoFit/>
+          </a:bodyPr>
+          <a:lstStyle/>
+          <a:p>
+            <a:r>
+              <a:rPr kumimoji="1" lang="ko-Kore-KR" altLang="en-US" sz="3200" b="1" dirty="0"/>
+              <a:t>체크</a:t>
+            </a:r>
+            <a:r>
+              <a:rPr kumimoji="1" lang="ko-KR" altLang="en-US" sz="3200" b="1" dirty="0"/>
+              <a:t> 해야 </a:t>
+            </a:r>
+            <a:r>
+              <a:rPr kumimoji="1" lang="ko-KR" altLang="en-US" sz="3200" b="1" dirty="0" err="1"/>
+              <a:t>할것</a:t>
+            </a:r>
+            <a:endParaRPr kumimoji="1" lang="en-US" altLang="ko-KR" sz="3200" b="1" dirty="0"/>
+          </a:p>
+          <a:p>
+            <a:pPr marL="285750" indent="-285750">
+              <a:buFontTx/>
+              <a:buChar char="-"/>
+            </a:pPr>
+            <a:r>
+              <a:rPr kumimoji="1" lang="ko-KR" altLang="en-US" dirty="0"/>
+              <a:t>금속 물품 소지 여부</a:t>
+            </a:r>
+            <a:r>
+              <a:rPr kumimoji="1" lang="en-US" altLang="ko-KR" dirty="0"/>
+              <a:t>(</a:t>
+            </a:r>
+            <a:r>
+              <a:rPr kumimoji="1" lang="ko-KR" altLang="en-US" dirty="0"/>
+              <a:t>안경</a:t>
+            </a:r>
+            <a:r>
+              <a:rPr kumimoji="1" lang="en-US" altLang="ko-KR" dirty="0"/>
+              <a:t>,</a:t>
+            </a:r>
+            <a:r>
+              <a:rPr kumimoji="1" lang="ko-KR" altLang="en-US" dirty="0"/>
+              <a:t> 핸드폰</a:t>
+            </a:r>
+            <a:r>
+              <a:rPr kumimoji="1" lang="en-US" altLang="ko-KR" dirty="0"/>
+              <a:t>,</a:t>
+            </a:r>
+            <a:r>
+              <a:rPr kumimoji="1" lang="ko-KR" altLang="en-US" dirty="0"/>
+              <a:t> 치아 교정기</a:t>
+            </a:r>
+            <a:r>
+              <a:rPr kumimoji="1" lang="en-US" altLang="ko-KR" dirty="0"/>
+              <a:t>,</a:t>
+            </a:r>
+            <a:r>
+              <a:rPr kumimoji="1" lang="ko-KR" altLang="en-US" dirty="0"/>
+              <a:t> 볼펜</a:t>
+            </a:r>
+            <a:r>
+              <a:rPr kumimoji="1" lang="en-US" altLang="ko-KR" dirty="0"/>
+              <a:t>,</a:t>
+            </a:r>
+            <a:r>
+              <a:rPr kumimoji="1" lang="ko-KR" altLang="en-US" dirty="0"/>
+              <a:t> </a:t>
+            </a:r>
+            <a:r>
+              <a:rPr kumimoji="1" lang="en-US" altLang="ko-KR" dirty="0"/>
+              <a:t>…,</a:t>
+            </a:r>
+            <a:r>
+              <a:rPr kumimoji="1" lang="ko-KR" altLang="en-US" dirty="0"/>
+              <a:t> </a:t>
+            </a:r>
+            <a:r>
+              <a:rPr kumimoji="1" lang="en-US" altLang="ko-KR" dirty="0"/>
+              <a:t>)</a:t>
+            </a:r>
+          </a:p>
+          <a:p>
+            <a:pPr marL="285750" indent="-285750">
+              <a:buFontTx/>
+              <a:buChar char="-"/>
+            </a:pPr>
+            <a:r>
+              <a:rPr kumimoji="1" lang="ko-KR" altLang="en-US" dirty="0"/>
+              <a:t>문신 여부</a:t>
+            </a:r>
+            <a:endParaRPr kumimoji="1" lang="en-US" altLang="ko-KR" dirty="0"/>
+          </a:p>
+          <a:p>
+            <a:pPr marL="285750" indent="-285750">
+              <a:buFontTx/>
+              <a:buChar char="-"/>
+            </a:pPr>
+            <a:r>
+              <a:rPr kumimoji="1" lang="ko-KR" altLang="en-US" dirty="0"/>
+              <a:t>귀마개 착용</a:t>
+            </a:r>
+            <a:endParaRPr kumimoji="1" lang="en-US" altLang="ko-KR" dirty="0"/>
+          </a:p>
+        </p:txBody>
+      </p:sp>
+    </p:spTree>
+    <p:extLst>
+      <p:ext uri="{BB962C8B-B14F-4D97-AF65-F5344CB8AC3E}">
+        <p14:creationId xmlns:p14="http://schemas.microsoft.com/office/powerpoint/2010/main" val="3740734207"/>
+      </p:ext>
+    </p:extLst>
+  </p:cSld>
+  <p:clrMapOvr>
+    <a:masterClrMapping/>
+  </p:clrMapOvr>
+</p:sld>
+</file>
+
+<file path=ppt/slides/slide4.xml><?xml version="1.0" encoding="utf-8"?>
+<p:sld xmlns:a="http://schemas.openxmlformats.org/drawingml/2006/main" xmlns:r="http://schemas.openxmlformats.org/officeDocument/2006/relationships" xmlns:p="http://schemas.openxmlformats.org/presentationml/2006/main">
+  <p:cSld>
+    <p:spTree>
+      <p:nvGrpSpPr>
+        <p:cNvPr id="1" name=""/>
+        <p:cNvGrpSpPr/>
+        <p:nvPr/>
+      </p:nvGrpSpPr>
+      <p:grpSpPr>
+        <a:xfrm>
+          <a:off x="0" y="0"/>
+          <a:ext cx="0" cy="0"/>
+          <a:chOff x="0" y="0"/>
+          <a:chExt cx="0" cy="0"/>
+        </a:xfrm>
+      </p:grpSpPr>
+    </p:spTree>
+    <p:extLst>
+      <p:ext uri="{BB962C8B-B14F-4D97-AF65-F5344CB8AC3E}">
+        <p14:creationId xmlns:p14="http://schemas.microsoft.com/office/powerpoint/2010/main" val="4099984000"/>
+      </p:ext>
+    </p:extLst>
+  </p:cSld>
+  <p:clrMapOvr>
+    <a:masterClrMapping/>
+  </p:clrMapOvr>
+</p:sld>
+</file>
+
+<file path=ppt/slides/slide5.xml><?xml version="1.0" encoding="utf-8"?>
 <p:sld xmlns:a="http://schemas.openxmlformats.org/drawingml/2006/main" xmlns:r="http://schemas.openxmlformats.org/officeDocument/2006/relationships" xmlns:p="http://schemas.openxmlformats.org/presentationml/2006/main">
   <p:cSld>
     <p:spTree>
@@ -6045,7 +6508,7 @@
 </p:sld>
 </file>
 
-<file path=ppt/slides/slide3.xml><?xml version="1.0" encoding="utf-8"?>
+<file path=ppt/slides/slide6.xml><?xml version="1.0" encoding="utf-8"?>
 <p:sld xmlns:a="http://schemas.openxmlformats.org/drawingml/2006/main" xmlns:r="http://schemas.openxmlformats.org/officeDocument/2006/relationships" xmlns:p="http://schemas.openxmlformats.org/presentationml/2006/main">
   <p:cSld>
     <p:spTree>
@@ -14006,1507 +14469,6 @@
 </p:sld>
 </file>
 
-<file path=ppt/slides/slide4.xml><?xml version="1.0" encoding="utf-8"?>
-<p:sld xmlns:a="http://schemas.openxmlformats.org/drawingml/2006/main" xmlns:r="http://schemas.openxmlformats.org/officeDocument/2006/relationships" xmlns:p="http://schemas.openxmlformats.org/presentationml/2006/main">
-  <p:cSld>
-    <p:spTree>
-      <p:nvGrpSpPr>
-        <p:cNvPr id="1" name=""/>
-        <p:cNvGrpSpPr/>
-        <p:nvPr/>
-      </p:nvGrpSpPr>
-      <p:grpSpPr>
-        <a:xfrm>
-          <a:off x="0" y="0"/>
-          <a:ext cx="0" cy="0"/>
-          <a:chOff x="0" y="0"/>
-          <a:chExt cx="0" cy="0"/>
-        </a:xfrm>
-      </p:grpSpPr>
-      <p:sp>
-        <p:nvSpPr>
-          <p:cNvPr id="2" name="제목 1">
-            <a:extLst>
-              <a:ext uri="{FF2B5EF4-FFF2-40B4-BE49-F238E27FC236}">
-                <a16:creationId xmlns:a16="http://schemas.microsoft.com/office/drawing/2014/main" id="{123E1B61-8A85-1343-A0EA-3C4DDD9F41D9}"/>
-              </a:ext>
-            </a:extLst>
-          </p:cNvPr>
-          <p:cNvSpPr>
-            <a:spLocks noGrp="1"/>
-          </p:cNvSpPr>
-          <p:nvPr>
-            <p:ph type="title"/>
-          </p:nvPr>
-        </p:nvSpPr>
-        <p:spPr/>
-        <p:txBody>
-          <a:bodyPr/>
-          <a:lstStyle/>
-          <a:p>
-            <a:r>
-              <a:rPr kumimoji="1" lang="ko-Kore-KR" altLang="en-US" dirty="0"/>
-              <a:t>모의실험</a:t>
-            </a:r>
-          </a:p>
-        </p:txBody>
-      </p:sp>
-    </p:spTree>
-    <p:extLst>
-      <p:ext uri="{BB962C8B-B14F-4D97-AF65-F5344CB8AC3E}">
-        <p14:creationId xmlns:p14="http://schemas.microsoft.com/office/powerpoint/2010/main" val="3158351724"/>
-      </p:ext>
-    </p:extLst>
-  </p:cSld>
-  <p:clrMapOvr>
-    <a:masterClrMapping/>
-  </p:clrMapOvr>
-</p:sld>
-</file>
-
-<file path=ppt/slides/slide5.xml><?xml version="1.0" encoding="utf-8"?>
-<p:sld xmlns:a="http://schemas.openxmlformats.org/drawingml/2006/main" xmlns:r="http://schemas.openxmlformats.org/officeDocument/2006/relationships" xmlns:p="http://schemas.openxmlformats.org/presentationml/2006/main">
-  <p:cSld>
-    <p:bg>
-      <p:bgPr>
-        <a:solidFill>
-          <a:schemeClr val="bg1"/>
-        </a:solidFill>
-        <a:effectLst/>
-      </p:bgPr>
-    </p:bg>
-    <p:spTree>
-      <p:nvGrpSpPr>
-        <p:cNvPr id="1" name=""/>
-        <p:cNvGrpSpPr/>
-        <p:nvPr/>
-      </p:nvGrpSpPr>
-      <p:grpSpPr>
-        <a:xfrm>
-          <a:off x="0" y="0"/>
-          <a:ext cx="0" cy="0"/>
-          <a:chOff x="0" y="0"/>
-          <a:chExt cx="0" cy="0"/>
-        </a:xfrm>
-      </p:grpSpPr>
-      <p:sp>
-        <p:nvSpPr>
-          <p:cNvPr id="4" name="TextBox 3">
-            <a:extLst>
-              <a:ext uri="{FF2B5EF4-FFF2-40B4-BE49-F238E27FC236}">
-                <a16:creationId xmlns:a16="http://schemas.microsoft.com/office/drawing/2014/main" id="{C6DA9B7D-3997-6446-8E9B-0F2B81112733}"/>
-              </a:ext>
-            </a:extLst>
-          </p:cNvPr>
-          <p:cNvSpPr txBox="1"/>
-          <p:nvPr/>
-        </p:nvSpPr>
-        <p:spPr>
-          <a:xfrm>
-            <a:off x="648931" y="2438400"/>
-            <a:ext cx="3505494" cy="3785419"/>
-          </a:xfrm>
-          <a:prstGeom prst="rect">
-            <a:avLst/>
-          </a:prstGeom>
-        </p:spPr>
-        <p:txBody>
-          <a:bodyPr vert="horz" lIns="91440" tIns="45720" rIns="91440" bIns="45720" rtlCol="0">
-            <a:normAutofit/>
-          </a:bodyPr>
-          <a:lstStyle/>
-          <a:p>
-            <a:pPr>
-              <a:lnSpc>
-                <a:spcPct val="90000"/>
-              </a:lnSpc>
-              <a:spcAft>
-                <a:spcPts val="600"/>
-              </a:spcAft>
-            </a:pPr>
-            <a:r>
-              <a:rPr kumimoji="1" lang="en-US" altLang="ko-Kore-KR" sz="2000" dirty="0"/>
-              <a:t>Raw Data</a:t>
-            </a:r>
-          </a:p>
-          <a:p>
-            <a:pPr indent="-228600">
-              <a:lnSpc>
-                <a:spcPct val="90000"/>
-              </a:lnSpc>
-              <a:spcAft>
-                <a:spcPts val="600"/>
-              </a:spcAft>
-              <a:buFont typeface="Arial" panose="020B0604020202020204" pitchFamily="34" charset="0"/>
-              <a:buChar char="•"/>
-            </a:pPr>
-            <a:r>
-              <a:rPr kumimoji="1" lang="en-US" altLang="ko-KR" sz="2000" dirty="0"/>
-              <a:t>X</a:t>
-            </a:r>
-            <a:r>
-              <a:rPr kumimoji="1" lang="ko-KR" altLang="en-US" sz="2000" dirty="0"/>
-              <a:t>축</a:t>
-            </a:r>
-            <a:r>
-              <a:rPr kumimoji="1" lang="en-US" altLang="ko-KR" sz="2000" dirty="0"/>
-              <a:t>:</a:t>
-            </a:r>
-            <a:r>
-              <a:rPr kumimoji="1" lang="ko-KR" altLang="en-US" sz="2000" dirty="0"/>
-              <a:t> </a:t>
-            </a:r>
-            <a:r>
-              <a:rPr kumimoji="1" lang="en-US" altLang="ko-KR" sz="2000" dirty="0"/>
-              <a:t>run </a:t>
-            </a:r>
-            <a:r>
-              <a:rPr kumimoji="1" lang="ko-KR" altLang="en-US" sz="2000" dirty="0"/>
-              <a:t>진행 상황</a:t>
-            </a:r>
-            <a:endParaRPr kumimoji="1" lang="en-US" altLang="ko-KR" sz="2000" dirty="0"/>
-          </a:p>
-          <a:p>
-            <a:pPr indent="-228600">
-              <a:lnSpc>
-                <a:spcPct val="90000"/>
-              </a:lnSpc>
-              <a:spcAft>
-                <a:spcPts val="600"/>
-              </a:spcAft>
-              <a:buFont typeface="Arial" panose="020B0604020202020204" pitchFamily="34" charset="0"/>
-              <a:buChar char="•"/>
-            </a:pPr>
-            <a:r>
-              <a:rPr kumimoji="1" lang="en-US" altLang="ko-KR" sz="2000" dirty="0"/>
-              <a:t>Y</a:t>
-            </a:r>
-            <a:r>
-              <a:rPr kumimoji="1" lang="ko-KR" altLang="en-US" sz="2000" dirty="0"/>
-              <a:t>축</a:t>
-            </a:r>
-            <a:r>
-              <a:rPr kumimoji="1" lang="en-US" altLang="ko-KR" sz="2000" dirty="0"/>
-              <a:t>:</a:t>
-            </a:r>
-            <a:r>
-              <a:rPr kumimoji="1" lang="ko-KR" altLang="en-US" sz="2000" dirty="0"/>
-              <a:t> 시퀀스 하나를 </a:t>
-            </a:r>
-            <a:r>
-              <a:rPr kumimoji="1" lang="ko-KR" altLang="en-US" sz="2000" dirty="0" err="1"/>
-              <a:t>입력할때</a:t>
-            </a:r>
-            <a:r>
-              <a:rPr kumimoji="1" lang="ko-KR" altLang="en-US" sz="2000" dirty="0"/>
-              <a:t> 걸린 시간</a:t>
-            </a:r>
-            <a:endParaRPr kumimoji="1" lang="en-US" altLang="ko-KR" sz="2000" dirty="0"/>
-          </a:p>
-          <a:p>
-            <a:pPr indent="-228600">
-              <a:lnSpc>
-                <a:spcPct val="90000"/>
-              </a:lnSpc>
-              <a:spcAft>
-                <a:spcPts val="600"/>
-              </a:spcAft>
-              <a:buFont typeface="Arial" panose="020B0604020202020204" pitchFamily="34" charset="0"/>
-              <a:buChar char="•"/>
-            </a:pPr>
-            <a:endParaRPr kumimoji="1" lang="en-US" altLang="ko-KR" sz="2000" dirty="0"/>
-          </a:p>
-          <a:p>
-            <a:pPr indent="-228600">
-              <a:lnSpc>
-                <a:spcPct val="90000"/>
-              </a:lnSpc>
-              <a:spcAft>
-                <a:spcPts val="600"/>
-              </a:spcAft>
-              <a:buFont typeface="Arial" panose="020B0604020202020204" pitchFamily="34" charset="0"/>
-              <a:buChar char="•"/>
-            </a:pPr>
-            <a:r>
-              <a:rPr kumimoji="1" lang="ko-KR" altLang="en-US" sz="2000" dirty="0"/>
-              <a:t>플롯이 겹쳐져 있어 보기 어렵다고 판단됨</a:t>
-            </a:r>
-            <a:endParaRPr kumimoji="1" lang="en-US" altLang="en-US" sz="2000" dirty="0"/>
-          </a:p>
-        </p:txBody>
-      </p:sp>
-      <p:sp>
-        <p:nvSpPr>
-          <p:cNvPr id="10" name="Rectangle 9">
-            <a:extLst>
-              <a:ext uri="{FF2B5EF4-FFF2-40B4-BE49-F238E27FC236}">
-                <a16:creationId xmlns:a16="http://schemas.microsoft.com/office/drawing/2014/main" id="{5E39A796-BE83-48B1-B33F-35C4A32AAB57}"/>
-              </a:ext>
-              <a:ext uri="{C183D7F6-B498-43B3-948B-1728B52AA6E4}">
-                <adec:decorative xmlns:adec="http://schemas.microsoft.com/office/drawing/2017/decorative" val="1"/>
-              </a:ext>
-            </a:extLst>
-          </p:cNvPr>
-          <p:cNvSpPr>
-            <a:spLocks noGrp="1" noRot="1" noChangeAspect="1" noMove="1" noResize="1" noEditPoints="1" noAdjustHandles="1" noChangeArrowheads="1" noChangeShapeType="1" noTextEdit="1"/>
-          </p:cNvSpPr>
-          <p:nvPr>
-            <p:extLst>
-              <p:ext uri="{386F3935-93C4-4BCD-93E2-E3B085C9AB24}">
-                <p16:designElem xmlns:p16="http://schemas.microsoft.com/office/powerpoint/2015/main" val="1"/>
-              </p:ext>
-            </p:extLst>
-          </p:nvPr>
-        </p:nvSpPr>
-        <p:spPr>
-          <a:xfrm>
-            <a:off x="4639056" y="0"/>
-            <a:ext cx="7552944" cy="6858000"/>
-          </a:xfrm>
-          <a:prstGeom prst="rect">
-            <a:avLst/>
-          </a:prstGeom>
-          <a:solidFill>
-            <a:srgbClr val="C8CACA"/>
-          </a:solidFill>
-          <a:ln>
-            <a:noFill/>
-          </a:ln>
-        </p:spPr>
-        <p:style>
-          <a:lnRef idx="2">
-            <a:schemeClr val="accent1">
-              <a:shade val="50000"/>
-            </a:schemeClr>
-          </a:lnRef>
-          <a:fillRef idx="1">
-            <a:schemeClr val="accent1"/>
-          </a:fillRef>
-          <a:effectRef idx="0">
-            <a:schemeClr val="accent1"/>
-          </a:effectRef>
-          <a:fontRef idx="minor">
-            <a:schemeClr val="lt1"/>
-          </a:fontRef>
-        </p:style>
-        <p:txBody>
-          <a:bodyPr rtlCol="0" anchor="ctr"/>
-          <a:lstStyle/>
-          <a:p>
-            <a:pPr algn="ctr"/>
-            <a:endParaRPr lang="en-US"/>
-          </a:p>
-        </p:txBody>
-      </p:sp>
-      <p:sp>
-        <p:nvSpPr>
-          <p:cNvPr id="12" name="Rounded Rectangle 9">
-            <a:extLst>
-              <a:ext uri="{FF2B5EF4-FFF2-40B4-BE49-F238E27FC236}">
-                <a16:creationId xmlns:a16="http://schemas.microsoft.com/office/drawing/2014/main" id="{72F84B47-E267-4194-8194-831DB7B5547F}"/>
-              </a:ext>
-              <a:ext uri="{C183D7F6-B498-43B3-948B-1728B52AA6E4}">
-                <adec:decorative xmlns:adec="http://schemas.microsoft.com/office/drawing/2017/decorative" val="1"/>
-              </a:ext>
-            </a:extLst>
-          </p:cNvPr>
-          <p:cNvSpPr>
-            <a:spLocks noGrp="1" noRot="1" noChangeAspect="1" noMove="1" noResize="1" noEditPoints="1" noAdjustHandles="1" noChangeArrowheads="1" noChangeShapeType="1" noTextEdit="1"/>
-          </p:cNvSpPr>
-          <p:nvPr>
-            <p:extLst>
-              <p:ext uri="{386F3935-93C4-4BCD-93E2-E3B085C9AB24}">
-                <p16:designElem xmlns:p16="http://schemas.microsoft.com/office/powerpoint/2015/main" val="1"/>
-              </p:ext>
-            </p:extLst>
-          </p:nvPr>
-        </p:nvSpPr>
-        <p:spPr>
-          <a:xfrm>
-            <a:off x="5123688" y="557784"/>
-            <a:ext cx="6584098" cy="5739187"/>
-          </a:xfrm>
-          <a:prstGeom prst="roundRect">
-            <a:avLst>
-              <a:gd name="adj" fmla="val 0"/>
-            </a:avLst>
-          </a:prstGeom>
-          <a:solidFill>
-            <a:srgbClr val="FFFFFF"/>
-          </a:solidFill>
-          <a:ln w="9525">
-            <a:solidFill>
-              <a:srgbClr val="C8CACA"/>
-            </a:solidFill>
-          </a:ln>
-          <a:effectLst>
-            <a:outerShdw blurRad="57150" dist="19050" dir="5400000" algn="t" rotWithShape="0">
-              <a:prstClr val="black">
-                <a:alpha val="63000"/>
-              </a:prstClr>
-            </a:outerShdw>
-          </a:effectLst>
-        </p:spPr>
-        <p:style>
-          <a:lnRef idx="2">
-            <a:schemeClr val="accent1">
-              <a:shade val="50000"/>
-            </a:schemeClr>
-          </a:lnRef>
-          <a:fillRef idx="1">
-            <a:schemeClr val="accent1"/>
-          </a:fillRef>
-          <a:effectRef idx="0">
-            <a:schemeClr val="accent1"/>
-          </a:effectRef>
-          <a:fontRef idx="minor">
-            <a:schemeClr val="lt1"/>
-          </a:fontRef>
-        </p:style>
-        <p:txBody>
-          <a:bodyPr rtlCol="0" anchor="ctr"/>
-          <a:lstStyle/>
-          <a:p>
-            <a:pPr algn="ctr"/>
-            <a:endParaRPr lang="en-US"/>
-          </a:p>
-        </p:txBody>
-      </p:sp>
-      <p:pic>
-        <p:nvPicPr>
-          <p:cNvPr id="5" name="그림 4">
-            <a:extLst>
-              <a:ext uri="{FF2B5EF4-FFF2-40B4-BE49-F238E27FC236}">
-                <a16:creationId xmlns:a16="http://schemas.microsoft.com/office/drawing/2014/main" id="{6AB7640D-A6E4-E349-AC4F-0FBE7C37936A}"/>
-              </a:ext>
-            </a:extLst>
-          </p:cNvPr>
-          <p:cNvPicPr>
-            <a:picLocks noChangeAspect="1"/>
-          </p:cNvPicPr>
-          <p:nvPr/>
-        </p:nvPicPr>
-        <p:blipFill>
-          <a:blip r:embed="rId2"/>
-          <a:stretch>
-            <a:fillRect/>
-          </a:stretch>
-        </p:blipFill>
-        <p:spPr>
-          <a:xfrm>
-            <a:off x="5405862" y="1298039"/>
-            <a:ext cx="6019331" cy="4258675"/>
-          </a:xfrm>
-          <a:prstGeom prst="rect">
-            <a:avLst/>
-          </a:prstGeom>
-          <a:effectLst/>
-        </p:spPr>
-      </p:pic>
-    </p:spTree>
-    <p:extLst>
-      <p:ext uri="{BB962C8B-B14F-4D97-AF65-F5344CB8AC3E}">
-        <p14:creationId xmlns:p14="http://schemas.microsoft.com/office/powerpoint/2010/main" val="790678453"/>
-      </p:ext>
-    </p:extLst>
-  </p:cSld>
-  <p:clrMapOvr>
-    <a:masterClrMapping/>
-  </p:clrMapOvr>
-</p:sld>
-</file>
-
-<file path=ppt/slides/slide6.xml><?xml version="1.0" encoding="utf-8"?>
-<p:sld xmlns:a="http://schemas.openxmlformats.org/drawingml/2006/main" xmlns:r="http://schemas.openxmlformats.org/officeDocument/2006/relationships" xmlns:p="http://schemas.openxmlformats.org/presentationml/2006/main">
-  <p:cSld>
-    <p:bg>
-      <p:bgPr>
-        <a:solidFill>
-          <a:schemeClr val="bg1"/>
-        </a:solidFill>
-        <a:effectLst/>
-      </p:bgPr>
-    </p:bg>
-    <p:spTree>
-      <p:nvGrpSpPr>
-        <p:cNvPr id="1" name=""/>
-        <p:cNvGrpSpPr/>
-        <p:nvPr/>
-      </p:nvGrpSpPr>
-      <p:grpSpPr>
-        <a:xfrm>
-          <a:off x="0" y="0"/>
-          <a:ext cx="0" cy="0"/>
-          <a:chOff x="0" y="0"/>
-          <a:chExt cx="0" cy="0"/>
-        </a:xfrm>
-      </p:grpSpPr>
-      <p:sp>
-        <p:nvSpPr>
-          <p:cNvPr id="6" name="TextBox 5">
-            <a:extLst>
-              <a:ext uri="{FF2B5EF4-FFF2-40B4-BE49-F238E27FC236}">
-                <a16:creationId xmlns:a16="http://schemas.microsoft.com/office/drawing/2014/main" id="{FAB29E92-38F2-9149-A13C-5645D005999E}"/>
-              </a:ext>
-            </a:extLst>
-          </p:cNvPr>
-          <p:cNvSpPr txBox="1"/>
-          <p:nvPr/>
-        </p:nvSpPr>
-        <p:spPr>
-          <a:xfrm>
-            <a:off x="648931" y="2438400"/>
-            <a:ext cx="3505494" cy="3785419"/>
-          </a:xfrm>
-          <a:prstGeom prst="rect">
-            <a:avLst/>
-          </a:prstGeom>
-        </p:spPr>
-        <p:txBody>
-          <a:bodyPr vert="horz" lIns="91440" tIns="45720" rIns="91440" bIns="45720" rtlCol="0">
-            <a:normAutofit/>
-          </a:bodyPr>
-          <a:lstStyle/>
-          <a:p>
-            <a:pPr marL="285750" indent="-228600">
-              <a:lnSpc>
-                <a:spcPct val="90000"/>
-              </a:lnSpc>
-              <a:spcAft>
-                <a:spcPts val="600"/>
-              </a:spcAft>
-              <a:buFont typeface="Arial" panose="020B0604020202020204" pitchFamily="34" charset="0"/>
-              <a:buChar char="•"/>
-            </a:pPr>
-            <a:r>
-              <a:rPr kumimoji="1" lang="en-US" altLang="en-US" sz="1400" dirty="0" err="1"/>
-              <a:t>모든</a:t>
-            </a:r>
-            <a:r>
-              <a:rPr kumimoji="1" lang="en-US" altLang="ko-KR" sz="1400" dirty="0"/>
-              <a:t> </a:t>
-            </a:r>
-            <a:r>
-              <a:rPr kumimoji="1" lang="ko-KR" altLang="en-US" sz="1400" dirty="0"/>
-              <a:t>시퀀스에 대하여</a:t>
-            </a:r>
-            <a:br>
-              <a:rPr kumimoji="1" lang="en-US" altLang="ko-KR" sz="1400" dirty="0"/>
-            </a:br>
-            <a:r>
-              <a:rPr kumimoji="1" lang="en-US" altLang="ko-KR" sz="1400" dirty="0"/>
-              <a:t>run</a:t>
-            </a:r>
-            <a:r>
-              <a:rPr kumimoji="1" lang="ko-KR" altLang="en-US" sz="1400" dirty="0"/>
-              <a:t>이 진행될 동안 반응시간</a:t>
-            </a:r>
-            <a:br>
-              <a:rPr kumimoji="1" lang="en-US" altLang="ko-KR" sz="1400" dirty="0"/>
-            </a:br>
-            <a:r>
-              <a:rPr kumimoji="1" lang="ko-KR" altLang="en-US" sz="1400" dirty="0"/>
-              <a:t>의 향상 정도를 파악</a:t>
-            </a:r>
-            <a:endParaRPr kumimoji="1" lang="en-US" altLang="ko-KR" sz="1400" dirty="0"/>
-          </a:p>
-          <a:p>
-            <a:pPr marL="285750" indent="-228600">
-              <a:lnSpc>
-                <a:spcPct val="90000"/>
-              </a:lnSpc>
-              <a:spcAft>
-                <a:spcPts val="600"/>
-              </a:spcAft>
-              <a:buFont typeface="Arial" panose="020B0604020202020204" pitchFamily="34" charset="0"/>
-              <a:buChar char="•"/>
-            </a:pPr>
-            <a:r>
-              <a:rPr kumimoji="1" lang="en-US" altLang="ko-KR" sz="1400" dirty="0"/>
-              <a:t>X</a:t>
-            </a:r>
-            <a:r>
-              <a:rPr kumimoji="1" lang="ko-KR" altLang="en-US" sz="1400" dirty="0"/>
-              <a:t>축</a:t>
-            </a:r>
-            <a:r>
-              <a:rPr kumimoji="1" lang="en-US" altLang="ko-KR" sz="1400" dirty="0"/>
-              <a:t>: </a:t>
-            </a:r>
-            <a:r>
-              <a:rPr kumimoji="1" lang="ko-KR" altLang="en-US" sz="1400" dirty="0" err="1"/>
-              <a:t>반응시간의</a:t>
-            </a:r>
-            <a:r>
-              <a:rPr kumimoji="1" lang="en-US" altLang="ko-KR" sz="1400" dirty="0"/>
-              <a:t> </a:t>
-            </a:r>
-            <a:r>
-              <a:rPr kumimoji="1" lang="ko-KR" altLang="en-US" sz="1400" dirty="0"/>
-              <a:t>구간</a:t>
-            </a:r>
-            <a:endParaRPr kumimoji="1" lang="en-US" altLang="ko-KR" sz="1400" dirty="0"/>
-          </a:p>
-          <a:p>
-            <a:pPr marL="285750" indent="-228600">
-              <a:lnSpc>
-                <a:spcPct val="90000"/>
-              </a:lnSpc>
-              <a:spcAft>
-                <a:spcPts val="600"/>
-              </a:spcAft>
-              <a:buFont typeface="Arial" panose="020B0604020202020204" pitchFamily="34" charset="0"/>
-              <a:buChar char="•"/>
-            </a:pPr>
-            <a:r>
-              <a:rPr kumimoji="1" lang="en-US" altLang="ko-KR" sz="1400" dirty="0"/>
-              <a:t>Y</a:t>
-            </a:r>
-            <a:r>
-              <a:rPr kumimoji="1" lang="ko-KR" altLang="en-US" sz="1400" dirty="0"/>
-              <a:t>축</a:t>
-            </a:r>
-            <a:r>
-              <a:rPr kumimoji="1" lang="en-US" altLang="ko-KR" sz="1400" dirty="0"/>
-              <a:t>: </a:t>
-            </a:r>
-            <a:r>
-              <a:rPr kumimoji="1" lang="ko-KR" altLang="en-US" sz="1400" dirty="0"/>
-              <a:t>몇번의 시퀀스 입력이</a:t>
-            </a:r>
-            <a:endParaRPr kumimoji="1" lang="en-US" altLang="ko-KR" sz="1400" dirty="0"/>
-          </a:p>
-          <a:p>
-            <a:pPr indent="-228600">
-              <a:lnSpc>
-                <a:spcPct val="90000"/>
-              </a:lnSpc>
-              <a:spcAft>
-                <a:spcPts val="600"/>
-              </a:spcAft>
-              <a:buFont typeface="Arial" panose="020B0604020202020204" pitchFamily="34" charset="0"/>
-              <a:buChar char="•"/>
-            </a:pPr>
-            <a:r>
-              <a:rPr kumimoji="1" lang="ko-KR" altLang="en-US" sz="1400" dirty="0"/>
-              <a:t>이루어졌는지</a:t>
-            </a:r>
-            <a:endParaRPr kumimoji="1" lang="en-US" altLang="ko-KR" sz="1400" dirty="0"/>
-          </a:p>
-          <a:p>
-            <a:pPr indent="-228600">
-              <a:lnSpc>
-                <a:spcPct val="90000"/>
-              </a:lnSpc>
-              <a:spcAft>
-                <a:spcPts val="600"/>
-              </a:spcAft>
-              <a:buFont typeface="Arial" panose="020B0604020202020204" pitchFamily="34" charset="0"/>
-              <a:buChar char="•"/>
-            </a:pPr>
-            <a:endParaRPr kumimoji="1" lang="en-US" altLang="ko-KR" sz="1400" dirty="0"/>
-          </a:p>
-          <a:p>
-            <a:pPr indent="-228600">
-              <a:lnSpc>
-                <a:spcPct val="90000"/>
-              </a:lnSpc>
-              <a:spcAft>
-                <a:spcPts val="600"/>
-              </a:spcAft>
-              <a:buFont typeface="Arial" panose="020B0604020202020204" pitchFamily="34" charset="0"/>
-              <a:buChar char="•"/>
-            </a:pPr>
-            <a:endParaRPr kumimoji="1" lang="en-US" altLang="ko-KR" sz="1400" dirty="0"/>
-          </a:p>
-          <a:p>
-            <a:pPr indent="-228600">
-              <a:lnSpc>
-                <a:spcPct val="90000"/>
-              </a:lnSpc>
-              <a:spcAft>
-                <a:spcPts val="600"/>
-              </a:spcAft>
-              <a:buFont typeface="Arial" panose="020B0604020202020204" pitchFamily="34" charset="0"/>
-              <a:buChar char="•"/>
-            </a:pPr>
-            <a:r>
-              <a:rPr kumimoji="1" lang="ko-KR" altLang="en-US" sz="1400" dirty="0"/>
-              <a:t>왼쪽 그래프는 </a:t>
-            </a:r>
-            <a:r>
-              <a:rPr kumimoji="1" lang="en-US" altLang="ko-KR" sz="1400" dirty="0"/>
-              <a:t>200ms</a:t>
-            </a:r>
-            <a:r>
-              <a:rPr kumimoji="1" lang="ko-KR" altLang="en-US" sz="1400" dirty="0"/>
-              <a:t>로 구간을 나눔</a:t>
-            </a:r>
-            <a:endParaRPr kumimoji="1" lang="en-US" altLang="ko-KR" sz="1400" dirty="0"/>
-          </a:p>
-          <a:p>
-            <a:pPr indent="-228600">
-              <a:lnSpc>
-                <a:spcPct val="90000"/>
-              </a:lnSpc>
-              <a:spcAft>
-                <a:spcPts val="600"/>
-              </a:spcAft>
-              <a:buFont typeface="Arial" panose="020B0604020202020204" pitchFamily="34" charset="0"/>
-              <a:buChar char="•"/>
-            </a:pPr>
-            <a:r>
-              <a:rPr kumimoji="1" lang="ko-KR" altLang="en-US" sz="1400" dirty="0"/>
-              <a:t>오른쪽 그래프는 </a:t>
-            </a:r>
-            <a:r>
-              <a:rPr kumimoji="1" lang="en-US" altLang="ko-KR" sz="1400" dirty="0"/>
-              <a:t>100ms</a:t>
-            </a:r>
-            <a:r>
-              <a:rPr kumimoji="1" lang="ko-KR" altLang="en-US" sz="1400" dirty="0"/>
-              <a:t>로 구간을 나눔</a:t>
-            </a:r>
-            <a:endParaRPr kumimoji="1" lang="en-US" altLang="ko-KR" sz="1400" dirty="0"/>
-          </a:p>
-          <a:p>
-            <a:pPr indent="-228600">
-              <a:lnSpc>
-                <a:spcPct val="90000"/>
-              </a:lnSpc>
-              <a:spcAft>
-                <a:spcPts val="600"/>
-              </a:spcAft>
-              <a:buFont typeface="Arial" panose="020B0604020202020204" pitchFamily="34" charset="0"/>
-              <a:buChar char="•"/>
-            </a:pPr>
-            <a:endParaRPr kumimoji="1" lang="en-US" altLang="ko-KR" sz="1400" dirty="0"/>
-          </a:p>
-          <a:p>
-            <a:pPr indent="-228600">
-              <a:lnSpc>
-                <a:spcPct val="90000"/>
-              </a:lnSpc>
-              <a:spcAft>
-                <a:spcPts val="600"/>
-              </a:spcAft>
-              <a:buFont typeface="Arial" panose="020B0604020202020204" pitchFamily="34" charset="0"/>
-              <a:buChar char="•"/>
-            </a:pPr>
-            <a:r>
-              <a:rPr kumimoji="1" lang="ko-KR" altLang="en-US" sz="1400" dirty="0"/>
-              <a:t>오른쪽 그래프를 </a:t>
-            </a:r>
-            <a:r>
-              <a:rPr kumimoji="1" lang="ko-KR" altLang="en-US" sz="1400" dirty="0" err="1"/>
-              <a:t>보았을때</a:t>
-            </a:r>
-            <a:r>
-              <a:rPr kumimoji="1" lang="en-US" altLang="ko-KR" sz="1400" dirty="0"/>
-              <a:t>, </a:t>
-            </a:r>
-            <a:r>
-              <a:rPr kumimoji="1" lang="ko-KR" altLang="en-US" sz="1400" dirty="0"/>
-              <a:t>반응 시간이 점차 향상되는 것을 볼 수 있음</a:t>
-            </a:r>
-            <a:br>
-              <a:rPr kumimoji="1" lang="en-US" altLang="ko-KR" sz="1400" dirty="0"/>
-            </a:br>
-            <a:endParaRPr kumimoji="1" lang="en-US" altLang="en-US" sz="1400" dirty="0"/>
-          </a:p>
-        </p:txBody>
-      </p:sp>
-      <p:sp>
-        <p:nvSpPr>
-          <p:cNvPr id="11" name="Rectangle 10">
-            <a:extLst>
-              <a:ext uri="{FF2B5EF4-FFF2-40B4-BE49-F238E27FC236}">
-                <a16:creationId xmlns:a16="http://schemas.microsoft.com/office/drawing/2014/main" id="{5E39A796-BE83-48B1-B33F-35C4A32AAB57}"/>
-              </a:ext>
-              <a:ext uri="{C183D7F6-B498-43B3-948B-1728B52AA6E4}">
-                <adec:decorative xmlns:adec="http://schemas.microsoft.com/office/drawing/2017/decorative" val="1"/>
-              </a:ext>
-            </a:extLst>
-          </p:cNvPr>
-          <p:cNvSpPr>
-            <a:spLocks noGrp="1" noRot="1" noChangeAspect="1" noMove="1" noResize="1" noEditPoints="1" noAdjustHandles="1" noChangeArrowheads="1" noChangeShapeType="1" noTextEdit="1"/>
-          </p:cNvSpPr>
-          <p:nvPr>
-            <p:extLst>
-              <p:ext uri="{386F3935-93C4-4BCD-93E2-E3B085C9AB24}">
-                <p16:designElem xmlns:p16="http://schemas.microsoft.com/office/powerpoint/2015/main" val="1"/>
-              </p:ext>
-            </p:extLst>
-          </p:nvPr>
-        </p:nvSpPr>
-        <p:spPr>
-          <a:xfrm>
-            <a:off x="4639056" y="0"/>
-            <a:ext cx="7552944" cy="6858000"/>
-          </a:xfrm>
-          <a:prstGeom prst="rect">
-            <a:avLst/>
-          </a:prstGeom>
-          <a:solidFill>
-            <a:srgbClr val="C8CACA"/>
-          </a:solidFill>
-          <a:ln>
-            <a:noFill/>
-          </a:ln>
-        </p:spPr>
-        <p:style>
-          <a:lnRef idx="2">
-            <a:schemeClr val="accent1">
-              <a:shade val="50000"/>
-            </a:schemeClr>
-          </a:lnRef>
-          <a:fillRef idx="1">
-            <a:schemeClr val="accent1"/>
-          </a:fillRef>
-          <a:effectRef idx="0">
-            <a:schemeClr val="accent1"/>
-          </a:effectRef>
-          <a:fontRef idx="minor">
-            <a:schemeClr val="lt1"/>
-          </a:fontRef>
-        </p:style>
-        <p:txBody>
-          <a:bodyPr rtlCol="0" anchor="ctr"/>
-          <a:lstStyle/>
-          <a:p>
-            <a:pPr algn="ctr"/>
-            <a:endParaRPr lang="en-US"/>
-          </a:p>
-        </p:txBody>
-      </p:sp>
-      <p:sp>
-        <p:nvSpPr>
-          <p:cNvPr id="13" name="Rounded Rectangle 9">
-            <a:extLst>
-              <a:ext uri="{FF2B5EF4-FFF2-40B4-BE49-F238E27FC236}">
-                <a16:creationId xmlns:a16="http://schemas.microsoft.com/office/drawing/2014/main" id="{72F84B47-E267-4194-8194-831DB7B5547F}"/>
-              </a:ext>
-              <a:ext uri="{C183D7F6-B498-43B3-948B-1728B52AA6E4}">
-                <adec:decorative xmlns:adec="http://schemas.microsoft.com/office/drawing/2017/decorative" val="1"/>
-              </a:ext>
-            </a:extLst>
-          </p:cNvPr>
-          <p:cNvSpPr>
-            <a:spLocks noGrp="1" noRot="1" noChangeAspect="1" noMove="1" noResize="1" noEditPoints="1" noAdjustHandles="1" noChangeArrowheads="1" noChangeShapeType="1" noTextEdit="1"/>
-          </p:cNvSpPr>
-          <p:nvPr>
-            <p:extLst>
-              <p:ext uri="{386F3935-93C4-4BCD-93E2-E3B085C9AB24}">
-                <p16:designElem xmlns:p16="http://schemas.microsoft.com/office/powerpoint/2015/main" val="1"/>
-              </p:ext>
-            </p:extLst>
-          </p:nvPr>
-        </p:nvSpPr>
-        <p:spPr>
-          <a:xfrm>
-            <a:off x="5123688" y="557784"/>
-            <a:ext cx="6584098" cy="5739187"/>
-          </a:xfrm>
-          <a:prstGeom prst="roundRect">
-            <a:avLst>
-              <a:gd name="adj" fmla="val 0"/>
-            </a:avLst>
-          </a:prstGeom>
-          <a:solidFill>
-            <a:srgbClr val="FFFFFF"/>
-          </a:solidFill>
-          <a:ln w="9525">
-            <a:solidFill>
-              <a:srgbClr val="C8CACA"/>
-            </a:solidFill>
-          </a:ln>
-          <a:effectLst>
-            <a:outerShdw blurRad="57150" dist="19050" dir="5400000" algn="t" rotWithShape="0">
-              <a:prstClr val="black">
-                <a:alpha val="63000"/>
-              </a:prstClr>
-            </a:outerShdw>
-          </a:effectLst>
-        </p:spPr>
-        <p:style>
-          <a:lnRef idx="2">
-            <a:schemeClr val="accent1">
-              <a:shade val="50000"/>
-            </a:schemeClr>
-          </a:lnRef>
-          <a:fillRef idx="1">
-            <a:schemeClr val="accent1"/>
-          </a:fillRef>
-          <a:effectRef idx="0">
-            <a:schemeClr val="accent1"/>
-          </a:effectRef>
-          <a:fontRef idx="minor">
-            <a:schemeClr val="lt1"/>
-          </a:fontRef>
-        </p:style>
-        <p:txBody>
-          <a:bodyPr rtlCol="0" anchor="ctr"/>
-          <a:lstStyle/>
-          <a:p>
-            <a:pPr algn="ctr"/>
-            <a:endParaRPr lang="en-US"/>
-          </a:p>
-        </p:txBody>
-      </p:sp>
-      <p:pic>
-        <p:nvPicPr>
-          <p:cNvPr id="4" name="그림 3">
-            <a:extLst>
-              <a:ext uri="{FF2B5EF4-FFF2-40B4-BE49-F238E27FC236}">
-                <a16:creationId xmlns:a16="http://schemas.microsoft.com/office/drawing/2014/main" id="{5895D7AF-4CBB-5440-B998-DCD117930EDC}"/>
-              </a:ext>
-            </a:extLst>
-          </p:cNvPr>
-          <p:cNvPicPr>
-            <a:picLocks noChangeAspect="1"/>
-          </p:cNvPicPr>
-          <p:nvPr/>
-        </p:nvPicPr>
-        <p:blipFill>
-          <a:blip r:embed="rId2"/>
-          <a:stretch>
-            <a:fillRect/>
-          </a:stretch>
-        </p:blipFill>
-        <p:spPr>
-          <a:xfrm>
-            <a:off x="5405862" y="1305563"/>
-            <a:ext cx="6019331" cy="4243627"/>
-          </a:xfrm>
-          <a:prstGeom prst="rect">
-            <a:avLst/>
-          </a:prstGeom>
-          <a:effectLst/>
-        </p:spPr>
-      </p:pic>
-    </p:spTree>
-    <p:extLst>
-      <p:ext uri="{BB962C8B-B14F-4D97-AF65-F5344CB8AC3E}">
-        <p14:creationId xmlns:p14="http://schemas.microsoft.com/office/powerpoint/2010/main" val="3374737612"/>
-      </p:ext>
-    </p:extLst>
-  </p:cSld>
-  <p:clrMapOvr>
-    <a:masterClrMapping/>
-  </p:clrMapOvr>
-</p:sld>
-</file>
-
-<file path=ppt/slides/slide7.xml><?xml version="1.0" encoding="utf-8"?>
-<p:sld xmlns:a="http://schemas.openxmlformats.org/drawingml/2006/main" xmlns:r="http://schemas.openxmlformats.org/officeDocument/2006/relationships" xmlns:p="http://schemas.openxmlformats.org/presentationml/2006/main">
-  <p:cSld>
-    <p:bg>
-      <p:bgPr>
-        <a:solidFill>
-          <a:schemeClr val="bg1"/>
-        </a:solidFill>
-        <a:effectLst/>
-      </p:bgPr>
-    </p:bg>
-    <p:spTree>
-      <p:nvGrpSpPr>
-        <p:cNvPr id="1" name=""/>
-        <p:cNvGrpSpPr/>
-        <p:nvPr/>
-      </p:nvGrpSpPr>
-      <p:grpSpPr>
-        <a:xfrm>
-          <a:off x="0" y="0"/>
-          <a:ext cx="0" cy="0"/>
-          <a:chOff x="0" y="0"/>
-          <a:chExt cx="0" cy="0"/>
-        </a:xfrm>
-      </p:grpSpPr>
-      <p:pic>
-        <p:nvPicPr>
-          <p:cNvPr id="18" name="그림 17">
-            <a:extLst>
-              <a:ext uri="{FF2B5EF4-FFF2-40B4-BE49-F238E27FC236}">
-                <a16:creationId xmlns:a16="http://schemas.microsoft.com/office/drawing/2014/main" id="{DCC7F10C-AE72-FC4B-A35A-8D99FCDFB651}"/>
-              </a:ext>
-            </a:extLst>
-          </p:cNvPr>
-          <p:cNvPicPr>
-            <a:picLocks noChangeAspect="1"/>
-          </p:cNvPicPr>
-          <p:nvPr/>
-        </p:nvPicPr>
-        <p:blipFill>
-          <a:blip r:embed="rId2"/>
-          <a:stretch>
-            <a:fillRect/>
-          </a:stretch>
-        </p:blipFill>
-        <p:spPr>
-          <a:xfrm>
-            <a:off x="8309121" y="2006567"/>
-            <a:ext cx="3517119" cy="2910415"/>
-          </a:xfrm>
-          <a:prstGeom prst="rect">
-            <a:avLst/>
-          </a:prstGeom>
-        </p:spPr>
-      </p:pic>
-      <p:cxnSp>
-        <p:nvCxnSpPr>
-          <p:cNvPr id="33" name="Straight Connector 32">
-            <a:extLst>
-              <a:ext uri="{FF2B5EF4-FFF2-40B4-BE49-F238E27FC236}">
-                <a16:creationId xmlns:a16="http://schemas.microsoft.com/office/drawing/2014/main" id="{DCD67800-37AC-4E14-89B0-F79DCB3FB86D}"/>
-              </a:ext>
-              <a:ext uri="{C183D7F6-B498-43B3-948B-1728B52AA6E4}">
-                <adec:decorative xmlns:adec="http://schemas.microsoft.com/office/drawing/2017/decorative" val="1"/>
-              </a:ext>
-            </a:extLst>
-          </p:cNvPr>
-          <p:cNvCxnSpPr>
-            <a:cxnSpLocks noGrp="1" noRot="1" noChangeAspect="1" noMove="1" noResize="1" noEditPoints="1" noAdjustHandles="1" noChangeArrowheads="1" noChangeShapeType="1"/>
-          </p:cNvCxnSpPr>
-          <p:nvPr>
-            <p:extLst>
-              <p:ext uri="{386F3935-93C4-4BCD-93E2-E3B085C9AB24}">
-                <p16:designElem xmlns:p16="http://schemas.microsoft.com/office/powerpoint/2015/main" val="1"/>
-              </p:ext>
-            </p:extLst>
-          </p:nvPr>
-        </p:nvCxnSpPr>
-        <p:spPr>
-          <a:xfrm>
-            <a:off x="4165600" y="1573887"/>
-            <a:ext cx="0" cy="3710227"/>
-          </a:xfrm>
-          <a:prstGeom prst="line">
-            <a:avLst/>
-          </a:prstGeom>
-          <a:ln w="19050">
-            <a:solidFill>
-              <a:srgbClr val="7F7F7F"/>
-            </a:solidFill>
-          </a:ln>
-        </p:spPr>
-        <p:style>
-          <a:lnRef idx="1">
-            <a:schemeClr val="accent1"/>
-          </a:lnRef>
-          <a:fillRef idx="0">
-            <a:schemeClr val="accent1"/>
-          </a:fillRef>
-          <a:effectRef idx="0">
-            <a:schemeClr val="accent1"/>
-          </a:effectRef>
-          <a:fontRef idx="minor">
-            <a:schemeClr val="tx1"/>
-          </a:fontRef>
-        </p:style>
-      </p:cxnSp>
-      <p:pic>
-        <p:nvPicPr>
-          <p:cNvPr id="22" name="그림 21">
-            <a:extLst>
-              <a:ext uri="{FF2B5EF4-FFF2-40B4-BE49-F238E27FC236}">
-                <a16:creationId xmlns:a16="http://schemas.microsoft.com/office/drawing/2014/main" id="{6823DD10-0663-AA40-94AD-C4E03F5D4238}"/>
-              </a:ext>
-            </a:extLst>
-          </p:cNvPr>
-          <p:cNvPicPr>
-            <a:picLocks noChangeAspect="1"/>
-          </p:cNvPicPr>
-          <p:nvPr/>
-        </p:nvPicPr>
-        <p:blipFill>
-          <a:blip r:embed="rId3"/>
-          <a:stretch>
-            <a:fillRect/>
-          </a:stretch>
-        </p:blipFill>
-        <p:spPr>
-          <a:xfrm>
-            <a:off x="4310676" y="2006567"/>
-            <a:ext cx="3537345" cy="2838719"/>
-          </a:xfrm>
-          <a:prstGeom prst="rect">
-            <a:avLst/>
-          </a:prstGeom>
-        </p:spPr>
-      </p:pic>
-      <p:cxnSp>
-        <p:nvCxnSpPr>
-          <p:cNvPr id="35" name="Straight Connector 34">
-            <a:extLst>
-              <a:ext uri="{FF2B5EF4-FFF2-40B4-BE49-F238E27FC236}">
-                <a16:creationId xmlns:a16="http://schemas.microsoft.com/office/drawing/2014/main" id="{20F1788F-A5AE-4188-8274-F7F2E3833ECD}"/>
-              </a:ext>
-              <a:ext uri="{C183D7F6-B498-43B3-948B-1728B52AA6E4}">
-                <adec:decorative xmlns:adec="http://schemas.microsoft.com/office/drawing/2017/decorative" val="1"/>
-              </a:ext>
-            </a:extLst>
-          </p:cNvPr>
-          <p:cNvCxnSpPr>
-            <a:cxnSpLocks noGrp="1" noRot="1" noChangeAspect="1" noMove="1" noResize="1" noEditPoints="1" noAdjustHandles="1" noChangeArrowheads="1" noChangeShapeType="1"/>
-          </p:cNvCxnSpPr>
-          <p:nvPr>
-            <p:extLst>
-              <p:ext uri="{386F3935-93C4-4BCD-93E2-E3B085C9AB24}">
-                <p16:designElem xmlns:p16="http://schemas.microsoft.com/office/powerpoint/2015/main" val="1"/>
-              </p:ext>
-            </p:extLst>
-          </p:nvPr>
-        </p:nvCxnSpPr>
-        <p:spPr>
-          <a:xfrm>
-            <a:off x="7995920" y="1573887"/>
-            <a:ext cx="0" cy="3710227"/>
-          </a:xfrm>
-          <a:prstGeom prst="line">
-            <a:avLst/>
-          </a:prstGeom>
-          <a:ln w="19050">
-            <a:solidFill>
-              <a:srgbClr val="7F7F7F"/>
-            </a:solidFill>
-          </a:ln>
-        </p:spPr>
-        <p:style>
-          <a:lnRef idx="1">
-            <a:schemeClr val="accent1"/>
-          </a:lnRef>
-          <a:fillRef idx="0">
-            <a:schemeClr val="accent1"/>
-          </a:fillRef>
-          <a:effectRef idx="0">
-            <a:schemeClr val="accent1"/>
-          </a:effectRef>
-          <a:fontRef idx="minor">
-            <a:schemeClr val="tx1"/>
-          </a:fontRef>
-        </p:style>
-      </p:cxnSp>
-      <p:pic>
-        <p:nvPicPr>
-          <p:cNvPr id="20" name="그림 19">
-            <a:extLst>
-              <a:ext uri="{FF2B5EF4-FFF2-40B4-BE49-F238E27FC236}">
-                <a16:creationId xmlns:a16="http://schemas.microsoft.com/office/drawing/2014/main" id="{9A8DEBB8-345A-7045-8994-99E134F1AB00}"/>
-              </a:ext>
-            </a:extLst>
-          </p:cNvPr>
-          <p:cNvPicPr>
-            <a:picLocks noChangeAspect="1"/>
-          </p:cNvPicPr>
-          <p:nvPr/>
-        </p:nvPicPr>
-        <p:blipFill>
-          <a:blip r:embed="rId4"/>
-          <a:stretch>
-            <a:fillRect/>
-          </a:stretch>
-        </p:blipFill>
-        <p:spPr>
-          <a:xfrm>
-            <a:off x="335280" y="2032945"/>
-            <a:ext cx="3517120" cy="2884037"/>
-          </a:xfrm>
-          <a:prstGeom prst="rect">
-            <a:avLst/>
-          </a:prstGeom>
-        </p:spPr>
-      </p:pic>
-      <p:sp>
-        <p:nvSpPr>
-          <p:cNvPr id="23" name="TextBox 22">
-            <a:extLst>
-              <a:ext uri="{FF2B5EF4-FFF2-40B4-BE49-F238E27FC236}">
-                <a16:creationId xmlns:a16="http://schemas.microsoft.com/office/drawing/2014/main" id="{61EEF4AE-29FA-5548-9A53-543F0D14DC3F}"/>
-              </a:ext>
-            </a:extLst>
-          </p:cNvPr>
-          <p:cNvSpPr txBox="1"/>
-          <p:nvPr/>
-        </p:nvSpPr>
-        <p:spPr>
-          <a:xfrm>
-            <a:off x="605118" y="373557"/>
-            <a:ext cx="5123518" cy="1200329"/>
-          </a:xfrm>
-          <a:prstGeom prst="rect">
-            <a:avLst/>
-          </a:prstGeom>
-          <a:noFill/>
-        </p:spPr>
-        <p:txBody>
-          <a:bodyPr wrap="none" rtlCol="0">
-            <a:spAutoFit/>
-          </a:bodyPr>
-          <a:lstStyle/>
-          <a:p>
-            <a:r>
-              <a:rPr kumimoji="1" lang="en-US" altLang="ko-Kore-KR" dirty="0"/>
-              <a:t>Run</a:t>
-            </a:r>
-            <a:r>
-              <a:rPr kumimoji="1" lang="ko-KR" altLang="en-US" dirty="0"/>
-              <a:t>이 진행될 수록 </a:t>
-            </a:r>
-            <a:endParaRPr kumimoji="1" lang="en-US" altLang="ko-KR" dirty="0"/>
-          </a:p>
-          <a:p>
-            <a:r>
-              <a:rPr kumimoji="1" lang="ko-KR" altLang="en-US" dirty="0"/>
-              <a:t>그래프가 점점 왼쪽으로 치우쳐지는 것으로 보아</a:t>
-            </a:r>
-            <a:r>
-              <a:rPr kumimoji="1" lang="en-US" altLang="ko-KR" dirty="0"/>
-              <a:t>,</a:t>
-            </a:r>
-            <a:br>
-              <a:rPr kumimoji="1" lang="en-US" altLang="ko-KR" dirty="0"/>
-            </a:br>
-            <a:br>
-              <a:rPr kumimoji="1" lang="en-US" altLang="ko-KR" dirty="0"/>
-            </a:br>
-            <a:r>
-              <a:rPr kumimoji="1" lang="en-US" altLang="ko-KR" dirty="0"/>
-              <a:t>reaction time</a:t>
-            </a:r>
-            <a:r>
-              <a:rPr kumimoji="1" lang="ko-KR" altLang="en-US" dirty="0"/>
-              <a:t>이 점점 빨라지는 것으로 보임</a:t>
-            </a:r>
-            <a:endParaRPr kumimoji="1" lang="ko-Kore-KR" altLang="en-US" dirty="0"/>
-          </a:p>
-        </p:txBody>
-      </p:sp>
-    </p:spTree>
-    <p:extLst>
-      <p:ext uri="{BB962C8B-B14F-4D97-AF65-F5344CB8AC3E}">
-        <p14:creationId xmlns:p14="http://schemas.microsoft.com/office/powerpoint/2010/main" val="2613988422"/>
-      </p:ext>
-    </p:extLst>
-  </p:cSld>
-  <p:clrMapOvr>
-    <a:masterClrMapping/>
-  </p:clrMapOvr>
-</p:sld>
-</file>
-
-<file path=ppt/slides/slide8.xml><?xml version="1.0" encoding="utf-8"?>
-<p:sld xmlns:a="http://schemas.openxmlformats.org/drawingml/2006/main" xmlns:r="http://schemas.openxmlformats.org/officeDocument/2006/relationships" xmlns:p="http://schemas.openxmlformats.org/presentationml/2006/main">
-  <p:cSld>
-    <p:bg>
-      <p:bgPr>
-        <a:solidFill>
-          <a:schemeClr val="bg1"/>
-        </a:solidFill>
-        <a:effectLst/>
-      </p:bgPr>
-    </p:bg>
-    <p:spTree>
-      <p:nvGrpSpPr>
-        <p:cNvPr id="1" name=""/>
-        <p:cNvGrpSpPr/>
-        <p:nvPr/>
-      </p:nvGrpSpPr>
-      <p:grpSpPr>
-        <a:xfrm>
-          <a:off x="0" y="0"/>
-          <a:ext cx="0" cy="0"/>
-          <a:chOff x="0" y="0"/>
-          <a:chExt cx="0" cy="0"/>
-        </a:xfrm>
-      </p:grpSpPr>
-      <p:sp useBgFill="1">
-        <p:nvSpPr>
-          <p:cNvPr id="16" name="Rectangle 15">
-            <a:extLst>
-              <a:ext uri="{FF2B5EF4-FFF2-40B4-BE49-F238E27FC236}">
-                <a16:creationId xmlns:a16="http://schemas.microsoft.com/office/drawing/2014/main" id="{8761DDFE-071F-4200-B0AA-394476C2D2D6}"/>
-              </a:ext>
-              <a:ext uri="{C183D7F6-B498-43B3-948B-1728B52AA6E4}">
-                <adec:decorative xmlns:adec="http://schemas.microsoft.com/office/drawing/2017/decorative" val="1"/>
-              </a:ext>
-            </a:extLst>
-          </p:cNvPr>
-          <p:cNvSpPr>
-            <a:spLocks noGrp="1" noRot="1" noChangeAspect="1" noMove="1" noResize="1" noEditPoints="1" noAdjustHandles="1" noChangeArrowheads="1" noChangeShapeType="1" noTextEdit="1"/>
-          </p:cNvSpPr>
-          <p:nvPr>
-            <p:extLst>
-              <p:ext uri="{386F3935-93C4-4BCD-93E2-E3B085C9AB24}">
-                <p16:designElem xmlns:p16="http://schemas.microsoft.com/office/powerpoint/2015/main" val="1"/>
-              </p:ext>
-            </p:extLst>
-          </p:nvPr>
-        </p:nvSpPr>
-        <p:spPr>
-          <a:xfrm>
-            <a:off x="-1" y="0"/>
-            <a:ext cx="12188952" cy="6858000"/>
-          </a:xfrm>
-          <a:prstGeom prst="rect">
-            <a:avLst/>
-          </a:prstGeom>
-          <a:ln>
-            <a:noFill/>
-          </a:ln>
-        </p:spPr>
-        <p:style>
-          <a:lnRef idx="2">
-            <a:schemeClr val="accent1">
-              <a:shade val="50000"/>
-            </a:schemeClr>
-          </a:lnRef>
-          <a:fillRef idx="1">
-            <a:schemeClr val="accent1"/>
-          </a:fillRef>
-          <a:effectRef idx="0">
-            <a:schemeClr val="accent1"/>
-          </a:effectRef>
-          <a:fontRef idx="minor">
-            <a:schemeClr val="lt1"/>
-          </a:fontRef>
-        </p:style>
-        <p:txBody>
-          <a:bodyPr rtlCol="0" anchor="ctr"/>
-          <a:lstStyle/>
-          <a:p>
-            <a:pPr algn="ctr"/>
-            <a:endParaRPr lang="en-US"/>
-          </a:p>
-        </p:txBody>
-      </p:sp>
-      <p:sp>
-        <p:nvSpPr>
-          <p:cNvPr id="4" name="TextBox 3">
-            <a:extLst>
-              <a:ext uri="{FF2B5EF4-FFF2-40B4-BE49-F238E27FC236}">
-                <a16:creationId xmlns:a16="http://schemas.microsoft.com/office/drawing/2014/main" id="{F2C1DCB5-3683-684C-B235-E0F2B1D66847}"/>
-              </a:ext>
-            </a:extLst>
-          </p:cNvPr>
-          <p:cNvSpPr txBox="1"/>
-          <p:nvPr/>
-        </p:nvSpPr>
-        <p:spPr>
-          <a:xfrm>
-            <a:off x="6186619" y="547815"/>
-            <a:ext cx="5178960" cy="1680519"/>
-          </a:xfrm>
-          <a:prstGeom prst="rect">
-            <a:avLst/>
-          </a:prstGeom>
-        </p:spPr>
-        <p:txBody>
-          <a:bodyPr vert="horz" lIns="91440" tIns="45720" rIns="91440" bIns="45720" rtlCol="0" anchor="ctr">
-            <a:normAutofit/>
-          </a:bodyPr>
-          <a:lstStyle/>
-          <a:p>
-            <a:pPr indent="-228600">
-              <a:lnSpc>
-                <a:spcPct val="90000"/>
-              </a:lnSpc>
-              <a:spcAft>
-                <a:spcPts val="600"/>
-              </a:spcAft>
-              <a:buFont typeface="Arial" panose="020B0604020202020204" pitchFamily="34" charset="0"/>
-              <a:buChar char="•"/>
-            </a:pPr>
-            <a:r>
-              <a:rPr kumimoji="1" lang="en-US" altLang="ko-Kore-KR" sz="2000" dirty="0"/>
-              <a:t>Run </a:t>
-            </a:r>
-            <a:r>
-              <a:rPr kumimoji="1" lang="ko-KR" altLang="en-US" sz="2000" dirty="0"/>
-              <a:t>횟수가 증가할 수록 </a:t>
-            </a:r>
-            <a:br>
-              <a:rPr kumimoji="1" lang="en-US" altLang="ko-KR" sz="2000" dirty="0"/>
-            </a:br>
-            <a:r>
-              <a:rPr kumimoji="1" lang="ko-KR" altLang="en-US" sz="2000" dirty="0"/>
-              <a:t>정확하게 시퀀스를 입력하는 개수가 증가하는 경향을 보임</a:t>
-            </a:r>
-            <a:endParaRPr kumimoji="1" lang="en-US" altLang="ko-KR" sz="2000" dirty="0"/>
-          </a:p>
-          <a:p>
-            <a:pPr indent="-228600">
-              <a:lnSpc>
-                <a:spcPct val="90000"/>
-              </a:lnSpc>
-              <a:spcAft>
-                <a:spcPts val="600"/>
-              </a:spcAft>
-              <a:buFont typeface="Arial" panose="020B0604020202020204" pitchFamily="34" charset="0"/>
-              <a:buChar char="•"/>
-            </a:pPr>
-            <a:endParaRPr kumimoji="1" lang="en-US" altLang="en-US" sz="2000" dirty="0"/>
-          </a:p>
-        </p:txBody>
-      </p:sp>
-      <p:pic>
-        <p:nvPicPr>
-          <p:cNvPr id="2" name="그림 1">
-            <a:extLst>
-              <a:ext uri="{FF2B5EF4-FFF2-40B4-BE49-F238E27FC236}">
-                <a16:creationId xmlns:a16="http://schemas.microsoft.com/office/drawing/2014/main" id="{15EF0434-2610-3E43-8B88-E09660591F8B}"/>
-              </a:ext>
-            </a:extLst>
-          </p:cNvPr>
-          <p:cNvPicPr>
-            <a:picLocks noChangeAspect="1"/>
-          </p:cNvPicPr>
-          <p:nvPr/>
-        </p:nvPicPr>
-        <p:blipFill>
-          <a:blip r:embed="rId2"/>
-          <a:stretch>
-            <a:fillRect/>
-          </a:stretch>
-        </p:blipFill>
-        <p:spPr>
-          <a:xfrm>
-            <a:off x="838198" y="2430229"/>
-            <a:ext cx="5167185" cy="3694535"/>
-          </a:xfrm>
-          <a:prstGeom prst="rect">
-            <a:avLst/>
-          </a:prstGeom>
-        </p:spPr>
-      </p:pic>
-      <p:pic>
-        <p:nvPicPr>
-          <p:cNvPr id="5" name="그림 4">
-            <a:extLst>
-              <a:ext uri="{FF2B5EF4-FFF2-40B4-BE49-F238E27FC236}">
-                <a16:creationId xmlns:a16="http://schemas.microsoft.com/office/drawing/2014/main" id="{EA65731F-FD9D-9A4A-9A4D-EF1F3B449C82}"/>
-              </a:ext>
-            </a:extLst>
-          </p:cNvPr>
-          <p:cNvPicPr>
-            <a:picLocks noChangeAspect="1"/>
-          </p:cNvPicPr>
-          <p:nvPr/>
-        </p:nvPicPr>
-        <p:blipFill>
-          <a:blip r:embed="rId3"/>
-          <a:stretch>
-            <a:fillRect/>
-          </a:stretch>
-        </p:blipFill>
-        <p:spPr>
-          <a:xfrm>
-            <a:off x="6198394" y="3404662"/>
-            <a:ext cx="5167185" cy="1745670"/>
-          </a:xfrm>
-          <a:prstGeom prst="rect">
-            <a:avLst/>
-          </a:prstGeom>
-        </p:spPr>
-      </p:pic>
-      <p:sp>
-        <p:nvSpPr>
-          <p:cNvPr id="7" name="TextBox 6">
-            <a:extLst>
-              <a:ext uri="{FF2B5EF4-FFF2-40B4-BE49-F238E27FC236}">
-                <a16:creationId xmlns:a16="http://schemas.microsoft.com/office/drawing/2014/main" id="{2CE3C4D5-A5DD-5744-86D8-692B86BB6E5F}"/>
-              </a:ext>
-            </a:extLst>
-          </p:cNvPr>
-          <p:cNvSpPr txBox="1"/>
-          <p:nvPr/>
-        </p:nvSpPr>
-        <p:spPr>
-          <a:xfrm>
-            <a:off x="1129553" y="773663"/>
-            <a:ext cx="4636206" cy="923330"/>
-          </a:xfrm>
-          <a:prstGeom prst="rect">
-            <a:avLst/>
-          </a:prstGeom>
-          <a:noFill/>
-        </p:spPr>
-        <p:txBody>
-          <a:bodyPr wrap="none" rtlCol="0">
-            <a:spAutoFit/>
-          </a:bodyPr>
-          <a:lstStyle/>
-          <a:p>
-            <a:pPr marL="285750" indent="-285750">
-              <a:buFont typeface="Arial" panose="020B0604020202020204" pitchFamily="34" charset="0"/>
-              <a:buChar char="•"/>
-            </a:pPr>
-            <a:r>
-              <a:rPr kumimoji="1" lang="en-US" altLang="ko-Kore-KR" dirty="0"/>
-              <a:t>X</a:t>
-            </a:r>
-            <a:r>
-              <a:rPr kumimoji="1" lang="ko-Kore-KR" altLang="en-US" dirty="0"/>
-              <a:t>축은</a:t>
-            </a:r>
-            <a:r>
-              <a:rPr kumimoji="1" lang="ko-KR" altLang="en-US" dirty="0"/>
-              <a:t> </a:t>
-            </a:r>
-            <a:r>
-              <a:rPr kumimoji="1" lang="en-US" altLang="ko-KR" dirty="0"/>
-              <a:t>run</a:t>
-            </a:r>
-            <a:r>
-              <a:rPr kumimoji="1" lang="ko-KR" altLang="en-US" dirty="0"/>
-              <a:t>의 진행</a:t>
-            </a:r>
-            <a:endParaRPr kumimoji="1" lang="en-US" altLang="ko-KR" dirty="0"/>
-          </a:p>
-          <a:p>
-            <a:pPr marL="285750" indent="-285750">
-              <a:buFont typeface="Arial" panose="020B0604020202020204" pitchFamily="34" charset="0"/>
-              <a:buChar char="•"/>
-            </a:pPr>
-            <a:r>
-              <a:rPr kumimoji="1" lang="en-US" altLang="ko-Kore-KR" dirty="0"/>
-              <a:t>Y</a:t>
-            </a:r>
-            <a:r>
-              <a:rPr kumimoji="1" lang="ko-KR" altLang="en-US" dirty="0"/>
-              <a:t>축은 해당 </a:t>
-            </a:r>
-            <a:r>
-              <a:rPr kumimoji="1" lang="en-US" altLang="ko-KR" dirty="0"/>
-              <a:t>run</a:t>
-            </a:r>
-            <a:r>
-              <a:rPr kumimoji="1" lang="ko-KR" altLang="en-US" dirty="0"/>
-              <a:t>안에 얼마나 많은 시퀀스를</a:t>
-            </a:r>
-            <a:br>
-              <a:rPr kumimoji="1" lang="en-US" altLang="ko-KR" dirty="0"/>
-            </a:br>
-            <a:r>
-              <a:rPr kumimoji="1" lang="ko-KR" altLang="en-US" dirty="0"/>
-              <a:t>맞췄는지 표현</a:t>
-            </a:r>
-            <a:endParaRPr kumimoji="1" lang="ko-Kore-KR" altLang="en-US" dirty="0"/>
-          </a:p>
-        </p:txBody>
-      </p:sp>
-    </p:spTree>
-    <p:extLst>
-      <p:ext uri="{BB962C8B-B14F-4D97-AF65-F5344CB8AC3E}">
-        <p14:creationId xmlns:p14="http://schemas.microsoft.com/office/powerpoint/2010/main" val="3181295890"/>
-      </p:ext>
-    </p:extLst>
-  </p:cSld>
-  <p:clrMapOvr>
-    <a:masterClrMapping/>
-  </p:clrMapOvr>
-</p:sld>
-</file>
-
 <file path=ppt/theme/theme1.xml><?xml version="1.0" encoding="utf-8"?>
 <a:theme xmlns:a="http://schemas.openxmlformats.org/drawingml/2006/main" name="Office 테마">
   <a:themeElements>
